--- a/Csharp_자료.pptx
+++ b/Csharp_자료.pptx
@@ -5,16 +5,15 @@
     <p:sldMasterId id="2147483648" r:id="rId1"/>
   </p:sldMasterIdLst>
   <p:notesMasterIdLst>
-    <p:notesMasterId r:id="rId6"/>
+    <p:notesMasterId r:id="rId5"/>
   </p:notesMasterIdLst>
   <p:handoutMasterIdLst>
-    <p:handoutMasterId r:id="rId7"/>
+    <p:handoutMasterId r:id="rId6"/>
   </p:handoutMasterIdLst>
   <p:sldIdLst>
     <p:sldId id="395" r:id="rId2"/>
     <p:sldId id="423" r:id="rId3"/>
-    <p:sldId id="424" r:id="rId4"/>
-    <p:sldId id="414" r:id="rId5"/>
+    <p:sldId id="414" r:id="rId4"/>
   </p:sldIdLst>
   <p:sldSz cx="12192000" cy="6858000"/>
   <p:notesSz cx="6735763" cy="9866313"/>
@@ -150,7 +149,6 @@
           <p14:sldIdLst>
             <p14:sldId id="395"/>
             <p14:sldId id="423"/>
-            <p14:sldId id="424"/>
             <p14:sldId id="414"/>
           </p14:sldIdLst>
         </p14:section>
@@ -366,7 +364,7 @@
               <a:pPr>
                 <a:defRPr/>
               </a:pPr>
-              <a:t>2024-03-07</a:t>
+              <a:t>2024-03-11</a:t>
             </a:fld>
             <a:endParaRPr lang="ko-KR" altLang="en-US"/>
           </a:p>
@@ -613,7 +611,7 @@
               <a:pPr>
                 <a:defRPr/>
               </a:pPr>
-              <a:t>2024-03-07</a:t>
+              <a:t>2024-03-11</a:t>
             </a:fld>
             <a:endParaRPr lang="ko-KR" altLang="en-US"/>
           </a:p>
@@ -4640,8 +4638,8 @@
         </p:nvSpPr>
         <p:spPr>
           <a:xfrm>
-            <a:off x="335360" y="1124744"/>
-            <a:ext cx="1152128" cy="2736304"/>
+            <a:off x="335360" y="1279697"/>
+            <a:ext cx="1152128" cy="936104"/>
           </a:xfrm>
           <a:prstGeom prst="roundRect">
             <a:avLst/>
@@ -4695,7 +4693,7 @@
         </p:nvSpPr>
         <p:spPr>
           <a:xfrm>
-            <a:off x="335360" y="1124744"/>
+            <a:off x="335360" y="1279697"/>
             <a:ext cx="1152128" cy="246221"/>
           </a:xfrm>
           <a:prstGeom prst="rect">
@@ -4735,8 +4733,8 @@
         </p:nvSpPr>
         <p:spPr>
           <a:xfrm>
-            <a:off x="2639616" y="1124744"/>
-            <a:ext cx="1152128" cy="2736304"/>
+            <a:off x="2639616" y="1279697"/>
+            <a:ext cx="1152128" cy="936104"/>
           </a:xfrm>
           <a:prstGeom prst="roundRect">
             <a:avLst/>
@@ -4790,7 +4788,7 @@
         </p:nvSpPr>
         <p:spPr>
           <a:xfrm>
-            <a:off x="2639616" y="1124744"/>
+            <a:off x="2639616" y="1279697"/>
             <a:ext cx="1152128" cy="246221"/>
           </a:xfrm>
           <a:prstGeom prst="rect">
@@ -4827,7 +4825,7 @@
         </p:nvSpPr>
         <p:spPr>
           <a:xfrm>
-            <a:off x="2815753" y="1556792"/>
+            <a:off x="2815753" y="1711745"/>
             <a:ext cx="799854" cy="320447"/>
           </a:xfrm>
           <a:prstGeom prst="roundRect">
@@ -4882,7 +4880,7 @@
         </p:nvSpPr>
         <p:spPr>
           <a:xfrm>
-            <a:off x="2671106" y="1578203"/>
+            <a:off x="2671106" y="1733156"/>
             <a:ext cx="1152128" cy="246221"/>
           </a:xfrm>
           <a:prstGeom prst="rect">
@@ -4909,6 +4907,684 @@
           </a:p>
         </p:txBody>
       </p:sp>
+      <p:sp>
+        <p:nvSpPr>
+          <p:cNvPr id="18" name="TextBox 17">
+            <a:extLst>
+              <a:ext uri="{FF2B5EF4-FFF2-40B4-BE49-F238E27FC236}">
+                <a16:creationId xmlns:a16="http://schemas.microsoft.com/office/drawing/2014/main" id="{089FA38E-7E57-42F4-B4D5-0D84AE15CEBD}"/>
+              </a:ext>
+            </a:extLst>
+          </p:cNvPr>
+          <p:cNvSpPr txBox="1"/>
+          <p:nvPr/>
+        </p:nvSpPr>
+        <p:spPr>
+          <a:xfrm>
+            <a:off x="191344" y="2475162"/>
+            <a:ext cx="7704856" cy="1785104"/>
+          </a:xfrm>
+          <a:prstGeom prst="rect">
+            <a:avLst/>
+          </a:prstGeom>
+          <a:noFill/>
+        </p:spPr>
+        <p:txBody>
+          <a:bodyPr wrap="square" rtlCol="0">
+            <a:spAutoFit/>
+          </a:bodyPr>
+          <a:lstStyle/>
+          <a:p>
+            <a:r>
+              <a:rPr lang="en-US" altLang="ko-KR" sz="1000" dirty="0"/>
+              <a:t>1. </a:t>
+            </a:r>
+            <a:r>
+              <a:rPr lang="ko-KR" altLang="en-US" sz="1000" dirty="0"/>
+              <a:t>비동기적으로 수신된 </a:t>
+            </a:r>
+            <a:r>
+              <a:rPr lang="en-US" altLang="ko-KR" sz="1000" dirty="0"/>
+              <a:t>Data</a:t>
+            </a:r>
+            <a:r>
+              <a:rPr lang="ko-KR" altLang="en-US" sz="1000" dirty="0"/>
+              <a:t>를 </a:t>
+            </a:r>
+            <a:r>
+              <a:rPr lang="en-US" altLang="ko-KR" sz="1000" dirty="0" err="1"/>
+              <a:t>MessageLoop</a:t>
+            </a:r>
+            <a:r>
+              <a:rPr lang="ko-KR" altLang="en-US" sz="1000" dirty="0"/>
+              <a:t>내에서 </a:t>
+            </a:r>
+            <a:r>
+              <a:rPr lang="en-US" altLang="ko-KR" sz="1000" dirty="0" err="1"/>
+              <a:t>CallBack</a:t>
+            </a:r>
+            <a:r>
+              <a:rPr lang="en-US" altLang="ko-KR" sz="1000" dirty="0"/>
+              <a:t> </a:t>
+            </a:r>
+            <a:r>
+              <a:rPr lang="ko-KR" altLang="en-US" sz="1000" dirty="0"/>
+              <a:t>함수 호출</a:t>
+            </a:r>
+            <a:r>
+              <a:rPr lang="en-US" altLang="ko-KR" sz="1000" dirty="0"/>
+              <a:t>.</a:t>
+            </a:r>
+          </a:p>
+          <a:p>
+            <a:pPr marL="228600" indent="-228600">
+              <a:buAutoNum type="arabicPeriod"/>
+            </a:pPr>
+            <a:endParaRPr lang="en-US" altLang="ko-KR" sz="1000" dirty="0"/>
+          </a:p>
+          <a:p>
+            <a:r>
+              <a:rPr lang="en-US" altLang="ko-KR" sz="1000" dirty="0"/>
+              <a:t>2. </a:t>
+            </a:r>
+            <a:r>
+              <a:rPr lang="en-US" altLang="ko-KR" sz="1000" dirty="0" err="1"/>
+              <a:t>CallBack</a:t>
+            </a:r>
+            <a:r>
+              <a:rPr lang="ko-KR" altLang="en-US" sz="1000" dirty="0"/>
+              <a:t> 함수로 </a:t>
+            </a:r>
+            <a:r>
+              <a:rPr lang="en-US" altLang="ko-KR" sz="1000" dirty="0"/>
+              <a:t>UI</a:t>
+            </a:r>
+            <a:r>
+              <a:rPr lang="ko-KR" altLang="en-US" sz="1000" dirty="0"/>
+              <a:t>에 접근 하는 </a:t>
+            </a:r>
+            <a:r>
+              <a:rPr lang="en-US" altLang="ko-KR" sz="1000" dirty="0" err="1"/>
+              <a:t>UpdataUI</a:t>
+            </a:r>
+            <a:r>
+              <a:rPr lang="en-US" altLang="ko-KR" sz="1000" dirty="0"/>
+              <a:t>() </a:t>
+            </a:r>
+            <a:r>
+              <a:rPr lang="ko-KR" altLang="en-US" sz="1000" dirty="0"/>
+              <a:t>실행됨</a:t>
+            </a:r>
+            <a:r>
+              <a:rPr lang="en-US" altLang="ko-KR" sz="1000" dirty="0"/>
+              <a:t>. Error 1 </a:t>
+            </a:r>
+            <a:r>
+              <a:rPr lang="ko-KR" altLang="en-US" sz="1000" dirty="0"/>
+              <a:t>발생</a:t>
+            </a:r>
+            <a:endParaRPr lang="en-US" altLang="ko-KR" sz="1000" dirty="0"/>
+          </a:p>
+          <a:p>
+            <a:r>
+              <a:rPr lang="en-US" altLang="ko-KR" sz="1000" dirty="0">
+                <a:sym typeface="Wingdings" panose="05000000000000000000" pitchFamily="2" charset="2"/>
+              </a:rPr>
+              <a:t> </a:t>
+            </a:r>
+            <a:r>
+              <a:rPr lang="en-US" altLang="ko-KR" sz="1000" dirty="0"/>
+              <a:t> </a:t>
+            </a:r>
+            <a:r>
+              <a:rPr lang="ko-KR" altLang="en-US" sz="1000" dirty="0"/>
+              <a:t>외부 </a:t>
+            </a:r>
+            <a:r>
+              <a:rPr lang="en-US" altLang="ko-KR" sz="1000" dirty="0"/>
+              <a:t>Thread </a:t>
+            </a:r>
+            <a:r>
+              <a:rPr lang="ko-KR" altLang="en-US" sz="1000" dirty="0"/>
+              <a:t>에서 </a:t>
+            </a:r>
+            <a:r>
+              <a:rPr lang="en-US" altLang="ko-KR" sz="1000" dirty="0"/>
+              <a:t>UI</a:t>
+            </a:r>
+            <a:r>
+              <a:rPr lang="ko-KR" altLang="en-US" sz="1000" dirty="0"/>
+              <a:t>에 접근하기 위해서는 </a:t>
+            </a:r>
+            <a:r>
+              <a:rPr lang="en-US" altLang="ko-KR" sz="1000" dirty="0" err="1"/>
+              <a:t>Dipatcher</a:t>
+            </a:r>
+            <a:r>
+              <a:rPr lang="en-US" altLang="ko-KR" sz="1000" dirty="0"/>
+              <a:t> </a:t>
+            </a:r>
+            <a:r>
+              <a:rPr lang="ko-KR" altLang="en-US" sz="1000" dirty="0"/>
+              <a:t>사용</a:t>
+            </a:r>
+            <a:endParaRPr lang="en-US" altLang="ko-KR" sz="1000" dirty="0"/>
+          </a:p>
+          <a:p>
+            <a:pPr marL="228600" indent="-228600">
+              <a:buAutoNum type="arabicPeriod"/>
+            </a:pPr>
+            <a:endParaRPr lang="en-US" altLang="ko-KR" sz="1000" dirty="0"/>
+          </a:p>
+          <a:p>
+            <a:r>
+              <a:rPr lang="en-US" altLang="ko-KR" sz="1000" dirty="0"/>
+              <a:t>3. </a:t>
+            </a:r>
+            <a:r>
+              <a:rPr lang="en-US" altLang="ko-KR" sz="1000" dirty="0" err="1"/>
+              <a:t>CallBack</a:t>
+            </a:r>
+            <a:r>
+              <a:rPr lang="ko-KR" altLang="en-US" sz="1000" dirty="0"/>
+              <a:t> 함수 정의부분에 </a:t>
+            </a:r>
+            <a:r>
+              <a:rPr lang="en-US" altLang="ko-KR" sz="1000" dirty="0"/>
+              <a:t>Dispatcher </a:t>
+            </a:r>
+            <a:r>
+              <a:rPr lang="ko-KR" altLang="en-US" sz="1000" dirty="0"/>
+              <a:t>사용시 </a:t>
+            </a:r>
+            <a:r>
+              <a:rPr lang="en-US" altLang="ko-KR" sz="1000" dirty="0"/>
+              <a:t>Error 2</a:t>
+            </a:r>
+            <a:r>
+              <a:rPr lang="ko-KR" altLang="en-US" sz="1000" dirty="0"/>
+              <a:t>번 발생</a:t>
+            </a:r>
+            <a:endParaRPr lang="en-US" altLang="ko-KR" sz="1000" dirty="0"/>
+          </a:p>
+          <a:p>
+            <a:pPr marL="171450" indent="-171450">
+              <a:buFont typeface="Wingdings" panose="05000000000000000000" pitchFamily="2" charset="2"/>
+              <a:buChar char="à"/>
+            </a:pPr>
+            <a:r>
+              <a:rPr lang="ko-KR" altLang="en-US" sz="1000" dirty="0">
+                <a:sym typeface="Wingdings" panose="05000000000000000000" pitchFamily="2" charset="2"/>
+              </a:rPr>
+              <a:t>호출 스택 확인결과 </a:t>
+            </a:r>
+            <a:r>
+              <a:rPr lang="en-US" altLang="ko-KR" sz="1000" dirty="0" err="1">
+                <a:sym typeface="Wingdings" panose="05000000000000000000" pitchFamily="2" charset="2"/>
+              </a:rPr>
+              <a:t>CallBack</a:t>
+            </a:r>
+            <a:r>
+              <a:rPr lang="en-US" altLang="ko-KR" sz="1000" dirty="0">
+                <a:sym typeface="Wingdings" panose="05000000000000000000" pitchFamily="2" charset="2"/>
+              </a:rPr>
+              <a:t> </a:t>
+            </a:r>
+            <a:r>
+              <a:rPr lang="ko-KR" altLang="en-US" sz="1000" dirty="0">
+                <a:sym typeface="Wingdings" panose="05000000000000000000" pitchFamily="2" charset="2"/>
+              </a:rPr>
+              <a:t>함수는 </a:t>
+            </a:r>
+            <a:r>
+              <a:rPr lang="en-US" altLang="ko-KR" sz="1000" dirty="0">
+                <a:sym typeface="Wingdings" panose="05000000000000000000" pitchFamily="2" charset="2"/>
+              </a:rPr>
+              <a:t>Thread</a:t>
+            </a:r>
+            <a:r>
+              <a:rPr lang="ko-KR" altLang="en-US" sz="1000" dirty="0">
+                <a:sym typeface="Wingdings" panose="05000000000000000000" pitchFamily="2" charset="2"/>
+              </a:rPr>
+              <a:t>에서 호출이 되고 </a:t>
+            </a:r>
+            <a:r>
+              <a:rPr lang="en-US" altLang="ko-KR" sz="1000" dirty="0">
+                <a:sym typeface="Wingdings" panose="05000000000000000000" pitchFamily="2" charset="2"/>
+              </a:rPr>
+              <a:t>Dispatcher</a:t>
+            </a:r>
+            <a:r>
+              <a:rPr lang="ko-KR" altLang="en-US" sz="1000" dirty="0">
+                <a:sym typeface="Wingdings" panose="05000000000000000000" pitchFamily="2" charset="2"/>
+              </a:rPr>
+              <a:t>의 참조 위치를 모르기 때문에 </a:t>
+            </a:r>
+            <a:r>
+              <a:rPr lang="en-US" altLang="ko-KR" sz="1000" dirty="0">
+                <a:sym typeface="Wingdings" panose="05000000000000000000" pitchFamily="2" charset="2"/>
+              </a:rPr>
+              <a:t>Error </a:t>
+            </a:r>
+            <a:r>
+              <a:rPr lang="ko-KR" altLang="en-US" sz="1000" dirty="0">
+                <a:sym typeface="Wingdings" panose="05000000000000000000" pitchFamily="2" charset="2"/>
+              </a:rPr>
+              <a:t>발생</a:t>
+            </a:r>
+            <a:endParaRPr lang="en-US" altLang="ko-KR" sz="1000" dirty="0">
+              <a:sym typeface="Wingdings" panose="05000000000000000000" pitchFamily="2" charset="2"/>
+            </a:endParaRPr>
+          </a:p>
+          <a:p>
+            <a:pPr marL="171450" indent="-171450">
+              <a:buFont typeface="Wingdings" panose="05000000000000000000" pitchFamily="2" charset="2"/>
+              <a:buChar char="à"/>
+            </a:pPr>
+            <a:endParaRPr lang="en-US" altLang="ko-KR" sz="1000" dirty="0">
+              <a:sym typeface="Wingdings" panose="05000000000000000000" pitchFamily="2" charset="2"/>
+            </a:endParaRPr>
+          </a:p>
+          <a:p>
+            <a:pPr marL="171450" indent="-171450">
+              <a:buFont typeface="Wingdings" panose="05000000000000000000" pitchFamily="2" charset="2"/>
+              <a:buChar char="à"/>
+            </a:pPr>
+            <a:r>
+              <a:rPr lang="en-US" altLang="ko-KR" sz="1000" dirty="0">
+                <a:sym typeface="Wingdings" panose="05000000000000000000" pitchFamily="2" charset="2"/>
+              </a:rPr>
+              <a:t>“</a:t>
+            </a:r>
+            <a:r>
+              <a:rPr lang="en-US" altLang="ko-KR" sz="1000" dirty="0" err="1">
+                <a:sym typeface="Wingdings" panose="05000000000000000000" pitchFamily="2" charset="2"/>
+              </a:rPr>
+              <a:t>System.Windows.Application.Current</a:t>
+            </a:r>
+            <a:r>
+              <a:rPr lang="en-US" altLang="ko-KR" sz="1000" dirty="0">
+                <a:sym typeface="Wingdings" panose="05000000000000000000" pitchFamily="2" charset="2"/>
+              </a:rPr>
+              <a:t>” </a:t>
+            </a:r>
+            <a:r>
+              <a:rPr lang="ko-KR" altLang="en-US" sz="1000" dirty="0">
+                <a:sym typeface="Wingdings" panose="05000000000000000000" pitchFamily="2" charset="2"/>
+              </a:rPr>
+              <a:t>키워드를 사용하여 </a:t>
+            </a:r>
+            <a:r>
+              <a:rPr lang="en-US" altLang="ko-KR" sz="1000" dirty="0">
+                <a:sym typeface="Wingdings" panose="05000000000000000000" pitchFamily="2" charset="2"/>
+              </a:rPr>
+              <a:t>Dispatcher</a:t>
+            </a:r>
+            <a:r>
+              <a:rPr lang="ko-KR" altLang="en-US" sz="1000" dirty="0">
+                <a:sym typeface="Wingdings" panose="05000000000000000000" pitchFamily="2" charset="2"/>
+              </a:rPr>
+              <a:t>에 접</a:t>
+            </a:r>
+            <a:r>
+              <a:rPr lang="en-US" altLang="ko-KR" sz="1000" dirty="0">
+                <a:sym typeface="Wingdings" panose="05000000000000000000" pitchFamily="2" charset="2"/>
+              </a:rPr>
+              <a:t>	</a:t>
+            </a:r>
+            <a:r>
+              <a:rPr lang="ko-KR" altLang="en-US" sz="1000" dirty="0">
+                <a:sym typeface="Wingdings" panose="05000000000000000000" pitchFamily="2" charset="2"/>
+              </a:rPr>
+              <a:t>근</a:t>
+            </a:r>
+            <a:endParaRPr lang="en-US" altLang="ko-KR" sz="1000" dirty="0">
+              <a:sym typeface="Wingdings" panose="05000000000000000000" pitchFamily="2" charset="2"/>
+            </a:endParaRPr>
+          </a:p>
+          <a:p>
+            <a:r>
+              <a:rPr lang="en-US" altLang="ko-KR" sz="1000" dirty="0">
+                <a:sym typeface="Wingdings" panose="05000000000000000000" pitchFamily="2" charset="2"/>
+              </a:rPr>
+              <a:t>  </a:t>
+            </a:r>
+            <a:r>
+              <a:rPr lang="ko-KR" altLang="en-US" sz="1000" dirty="0">
+                <a:sym typeface="Wingdings" panose="05000000000000000000" pitchFamily="2" charset="2"/>
+              </a:rPr>
+              <a:t>프로그램이 생성한 </a:t>
+            </a:r>
+            <a:r>
+              <a:rPr lang="en-US" altLang="ko-KR" sz="1000" dirty="0">
+                <a:sym typeface="Wingdings" panose="05000000000000000000" pitchFamily="2" charset="2"/>
+              </a:rPr>
+              <a:t>Application Class</a:t>
+            </a:r>
+            <a:r>
+              <a:rPr lang="ko-KR" altLang="en-US" sz="1000" dirty="0">
+                <a:sym typeface="Wingdings" panose="05000000000000000000" pitchFamily="2" charset="2"/>
+              </a:rPr>
+              <a:t>를 반환하는 프로퍼티</a:t>
+            </a:r>
+            <a:endParaRPr lang="en-US" altLang="ko-KR" sz="1000" dirty="0">
+              <a:sym typeface="Wingdings" panose="05000000000000000000" pitchFamily="2" charset="2"/>
+            </a:endParaRPr>
+          </a:p>
+          <a:p>
+            <a:pPr marL="171450" indent="-171450">
+              <a:buFont typeface="Wingdings" panose="05000000000000000000" pitchFamily="2" charset="2"/>
+              <a:buChar char="à"/>
+            </a:pPr>
+            <a:endParaRPr lang="en-US" altLang="ko-KR" sz="1000" dirty="0">
+              <a:sym typeface="Wingdings" panose="05000000000000000000" pitchFamily="2" charset="2"/>
+            </a:endParaRPr>
+          </a:p>
+        </p:txBody>
+      </p:sp>
+      <p:pic>
+        <p:nvPicPr>
+          <p:cNvPr id="20" name="그림 19">
+            <a:extLst>
+              <a:ext uri="{FF2B5EF4-FFF2-40B4-BE49-F238E27FC236}">
+                <a16:creationId xmlns:a16="http://schemas.microsoft.com/office/drawing/2014/main" id="{12517416-AE49-49F3-A4E1-6D6C4124ADE7}"/>
+              </a:ext>
+            </a:extLst>
+          </p:cNvPr>
+          <p:cNvPicPr>
+            <a:picLocks noChangeAspect="1"/>
+          </p:cNvPicPr>
+          <p:nvPr/>
+        </p:nvPicPr>
+        <p:blipFill>
+          <a:blip r:embed="rId2"/>
+          <a:stretch>
+            <a:fillRect/>
+          </a:stretch>
+        </p:blipFill>
+        <p:spPr>
+          <a:xfrm>
+            <a:off x="8774534" y="764600"/>
+            <a:ext cx="2130476" cy="1082282"/>
+          </a:xfrm>
+          <a:prstGeom prst="rect">
+            <a:avLst/>
+          </a:prstGeom>
+        </p:spPr>
+      </p:pic>
+      <p:sp>
+        <p:nvSpPr>
+          <p:cNvPr id="23" name="TextBox 22">
+            <a:extLst>
+              <a:ext uri="{FF2B5EF4-FFF2-40B4-BE49-F238E27FC236}">
+                <a16:creationId xmlns:a16="http://schemas.microsoft.com/office/drawing/2014/main" id="{08A3694C-F15F-4656-B750-EA9533B8E95C}"/>
+              </a:ext>
+            </a:extLst>
+          </p:cNvPr>
+          <p:cNvSpPr txBox="1"/>
+          <p:nvPr/>
+        </p:nvSpPr>
+        <p:spPr>
+          <a:xfrm>
+            <a:off x="9263708" y="1841636"/>
+            <a:ext cx="1152128" cy="246221"/>
+          </a:xfrm>
+          <a:prstGeom prst="rect">
+            <a:avLst/>
+          </a:prstGeom>
+          <a:noFill/>
+        </p:spPr>
+        <p:txBody>
+          <a:bodyPr wrap="square" rtlCol="0">
+            <a:spAutoFit/>
+          </a:bodyPr>
+          <a:lstStyle/>
+          <a:p>
+            <a:pPr algn="ctr"/>
+            <a:r>
+              <a:rPr lang="en-US" altLang="ko-KR" sz="1000" dirty="0">
+                <a:latin typeface="Arial" panose="020B0604020202020204" pitchFamily="34" charset="0"/>
+                <a:cs typeface="Arial" panose="020B0604020202020204" pitchFamily="34" charset="0"/>
+              </a:rPr>
+              <a:t>Error 1</a:t>
+            </a:r>
+            <a:endParaRPr lang="ko-KR" altLang="en-US" sz="1000" dirty="0">
+              <a:latin typeface="Arial" panose="020B0604020202020204" pitchFamily="34" charset="0"/>
+              <a:cs typeface="Arial" panose="020B0604020202020204" pitchFamily="34" charset="0"/>
+            </a:endParaRPr>
+          </a:p>
+        </p:txBody>
+      </p:sp>
+      <p:pic>
+        <p:nvPicPr>
+          <p:cNvPr id="16" name="그림 15">
+            <a:extLst>
+              <a:ext uri="{FF2B5EF4-FFF2-40B4-BE49-F238E27FC236}">
+                <a16:creationId xmlns:a16="http://schemas.microsoft.com/office/drawing/2014/main" id="{2DD117EC-A46C-4D72-ACB2-3523C787381F}"/>
+              </a:ext>
+            </a:extLst>
+          </p:cNvPr>
+          <p:cNvPicPr>
+            <a:picLocks noChangeAspect="1"/>
+          </p:cNvPicPr>
+          <p:nvPr/>
+        </p:nvPicPr>
+        <p:blipFill>
+          <a:blip r:embed="rId3"/>
+          <a:stretch>
+            <a:fillRect/>
+          </a:stretch>
+        </p:blipFill>
+        <p:spPr>
+          <a:xfrm>
+            <a:off x="8018450" y="2224052"/>
+            <a:ext cx="3672408" cy="571581"/>
+          </a:xfrm>
+          <a:prstGeom prst="rect">
+            <a:avLst/>
+          </a:prstGeom>
+        </p:spPr>
+      </p:pic>
+      <p:sp>
+        <p:nvSpPr>
+          <p:cNvPr id="19" name="TextBox 18">
+            <a:extLst>
+              <a:ext uri="{FF2B5EF4-FFF2-40B4-BE49-F238E27FC236}">
+                <a16:creationId xmlns:a16="http://schemas.microsoft.com/office/drawing/2014/main" id="{6E0DACAF-2E05-45C9-87CA-6D388AC017F6}"/>
+              </a:ext>
+            </a:extLst>
+          </p:cNvPr>
+          <p:cNvSpPr txBox="1"/>
+          <p:nvPr/>
+        </p:nvSpPr>
+        <p:spPr>
+          <a:xfrm>
+            <a:off x="9299083" y="2848718"/>
+            <a:ext cx="1152128" cy="246221"/>
+          </a:xfrm>
+          <a:prstGeom prst="rect">
+            <a:avLst/>
+          </a:prstGeom>
+          <a:noFill/>
+        </p:spPr>
+        <p:txBody>
+          <a:bodyPr wrap="square" rtlCol="0">
+            <a:spAutoFit/>
+          </a:bodyPr>
+          <a:lstStyle/>
+          <a:p>
+            <a:pPr algn="ctr"/>
+            <a:r>
+              <a:rPr lang="en-US" altLang="ko-KR" sz="1000" dirty="0">
+                <a:latin typeface="Arial" panose="020B0604020202020204" pitchFamily="34" charset="0"/>
+                <a:cs typeface="Arial" panose="020B0604020202020204" pitchFamily="34" charset="0"/>
+              </a:rPr>
+              <a:t>Error 2</a:t>
+            </a:r>
+            <a:endParaRPr lang="ko-KR" altLang="en-US" sz="1000" dirty="0">
+              <a:latin typeface="Arial" panose="020B0604020202020204" pitchFamily="34" charset="0"/>
+              <a:cs typeface="Arial" panose="020B0604020202020204" pitchFamily="34" charset="0"/>
+            </a:endParaRPr>
+          </a:p>
+        </p:txBody>
+      </p:sp>
+      <p:sp>
+        <p:nvSpPr>
+          <p:cNvPr id="22" name="사각형: 둥근 모서리 21">
+            <a:extLst>
+              <a:ext uri="{FF2B5EF4-FFF2-40B4-BE49-F238E27FC236}">
+                <a16:creationId xmlns:a16="http://schemas.microsoft.com/office/drawing/2014/main" id="{7BE4B81A-6724-45BE-928E-452BE37BA80F}"/>
+              </a:ext>
+            </a:extLst>
+          </p:cNvPr>
+          <p:cNvSpPr/>
+          <p:nvPr/>
+        </p:nvSpPr>
+        <p:spPr>
+          <a:xfrm>
+            <a:off x="496013" y="1710640"/>
+            <a:ext cx="799854" cy="320447"/>
+          </a:xfrm>
+          <a:prstGeom prst="roundRect">
+            <a:avLst/>
+          </a:prstGeom>
+          <a:solidFill>
+            <a:schemeClr val="accent6">
+              <a:lumMod val="40000"/>
+              <a:lumOff val="60000"/>
+            </a:schemeClr>
+          </a:solidFill>
+          <a:ln>
+            <a:noFill/>
+          </a:ln>
+        </p:spPr>
+        <p:style>
+          <a:lnRef idx="2">
+            <a:schemeClr val="accent1">
+              <a:shade val="50000"/>
+            </a:schemeClr>
+          </a:lnRef>
+          <a:fillRef idx="1">
+            <a:schemeClr val="accent1"/>
+          </a:fillRef>
+          <a:effectRef idx="0">
+            <a:schemeClr val="accent1"/>
+          </a:effectRef>
+          <a:fontRef idx="minor">
+            <a:schemeClr val="lt1"/>
+          </a:fontRef>
+        </p:style>
+        <p:txBody>
+          <a:bodyPr rtlCol="0" anchor="ctr"/>
+          <a:lstStyle/>
+          <a:p>
+            <a:pPr algn="ctr"/>
+            <a:endParaRPr lang="ko-KR" altLang="en-US"/>
+          </a:p>
+        </p:txBody>
+      </p:sp>
+      <p:sp>
+        <p:nvSpPr>
+          <p:cNvPr id="24" name="TextBox 23">
+            <a:extLst>
+              <a:ext uri="{FF2B5EF4-FFF2-40B4-BE49-F238E27FC236}">
+                <a16:creationId xmlns:a16="http://schemas.microsoft.com/office/drawing/2014/main" id="{F81BCE90-DC52-4F9F-9778-4194D5321D9B}"/>
+              </a:ext>
+            </a:extLst>
+          </p:cNvPr>
+          <p:cNvSpPr txBox="1"/>
+          <p:nvPr/>
+        </p:nvSpPr>
+        <p:spPr>
+          <a:xfrm>
+            <a:off x="319876" y="1686989"/>
+            <a:ext cx="1152128" cy="338554"/>
+          </a:xfrm>
+          <a:prstGeom prst="rect">
+            <a:avLst/>
+          </a:prstGeom>
+          <a:noFill/>
+        </p:spPr>
+        <p:txBody>
+          <a:bodyPr wrap="square" rtlCol="0">
+            <a:spAutoFit/>
+          </a:bodyPr>
+          <a:lstStyle/>
+          <a:p>
+            <a:pPr algn="ctr"/>
+            <a:r>
+              <a:rPr lang="en-US" altLang="ko-KR" sz="800" dirty="0"/>
+              <a:t>Message</a:t>
+            </a:r>
+            <a:r>
+              <a:rPr lang="ko-KR" altLang="en-US" sz="800" dirty="0"/>
+              <a:t> </a:t>
+            </a:r>
+            <a:r>
+              <a:rPr lang="en-US" altLang="ko-KR" sz="800" dirty="0"/>
+              <a:t>Loop</a:t>
+            </a:r>
+            <a:r>
+              <a:rPr lang="ko-KR" altLang="en-US" sz="800" dirty="0"/>
+              <a:t> </a:t>
+            </a:r>
+            <a:endParaRPr lang="en-US" altLang="ko-KR" sz="800" dirty="0"/>
+          </a:p>
+          <a:p>
+            <a:pPr algn="ctr"/>
+            <a:r>
+              <a:rPr lang="en-US" altLang="ko-KR" sz="800" dirty="0" err="1"/>
+              <a:t>CallBack</a:t>
+            </a:r>
+            <a:r>
+              <a:rPr lang="en-US" altLang="ko-KR" sz="800" dirty="0"/>
+              <a:t> </a:t>
+            </a:r>
+            <a:r>
+              <a:rPr lang="en-US" altLang="ko-KR" sz="800" dirty="0" err="1"/>
+              <a:t>Func</a:t>
+            </a:r>
+            <a:endParaRPr lang="ko-KR" altLang="en-US" sz="800" dirty="0"/>
+          </a:p>
+        </p:txBody>
+      </p:sp>
+      <p:sp>
+        <p:nvSpPr>
+          <p:cNvPr id="17" name="TextBox 16">
+            <a:extLst>
+              <a:ext uri="{FF2B5EF4-FFF2-40B4-BE49-F238E27FC236}">
+                <a16:creationId xmlns:a16="http://schemas.microsoft.com/office/drawing/2014/main" id="{06D5E81F-7B36-41D4-B04A-6E7FBDB42215}"/>
+              </a:ext>
+            </a:extLst>
+          </p:cNvPr>
+          <p:cNvSpPr txBox="1"/>
+          <p:nvPr/>
+        </p:nvSpPr>
+        <p:spPr>
+          <a:xfrm>
+            <a:off x="1446655" y="1878725"/>
+            <a:ext cx="1152128" cy="246221"/>
+          </a:xfrm>
+          <a:prstGeom prst="rect">
+            <a:avLst/>
+          </a:prstGeom>
+          <a:noFill/>
+        </p:spPr>
+        <p:txBody>
+          <a:bodyPr wrap="square" rtlCol="0">
+            <a:spAutoFit/>
+          </a:bodyPr>
+          <a:lstStyle/>
+          <a:p>
+            <a:pPr algn="ctr"/>
+            <a:r>
+              <a:rPr lang="en-US" altLang="ko-KR" sz="1000" dirty="0" err="1"/>
+              <a:t>CallBack</a:t>
+            </a:r>
+            <a:endParaRPr lang="ko-KR" altLang="en-US" sz="1000" dirty="0"/>
+          </a:p>
+        </p:txBody>
+      </p:sp>
       <p:cxnSp>
         <p:nvCxnSpPr>
           <p:cNvPr id="15" name="직선 화살표 연결선 14">
@@ -4925,8 +5601,8 @@
         </p:nvCxnSpPr>
         <p:spPr>
           <a:xfrm>
-            <a:off x="1199456" y="1724866"/>
-            <a:ext cx="1601343" cy="0"/>
+            <a:off x="1343472" y="1878725"/>
+            <a:ext cx="1457327" cy="1094"/>
           </a:xfrm>
           <a:prstGeom prst="straightConnector1">
             <a:avLst/>
@@ -4953,12 +5629,88 @@
           </a:fontRef>
         </p:style>
       </p:cxnSp>
+      <p:pic>
+        <p:nvPicPr>
+          <p:cNvPr id="26" name="그림 25">
+            <a:extLst>
+              <a:ext uri="{FF2B5EF4-FFF2-40B4-BE49-F238E27FC236}">
+                <a16:creationId xmlns:a16="http://schemas.microsoft.com/office/drawing/2014/main" id="{49FFE806-803E-4F89-A81B-C9DD4701631C}"/>
+              </a:ext>
+            </a:extLst>
+          </p:cNvPr>
+          <p:cNvPicPr>
+            <a:picLocks noChangeAspect="1"/>
+          </p:cNvPicPr>
+          <p:nvPr/>
+        </p:nvPicPr>
+        <p:blipFill rotWithShape="1">
+          <a:blip r:embed="rId4"/>
+          <a:srcRect r="42933"/>
+          <a:stretch/>
+        </p:blipFill>
+        <p:spPr>
+          <a:xfrm>
+            <a:off x="8389365" y="3253127"/>
+            <a:ext cx="2900813" cy="1269199"/>
+          </a:xfrm>
+          <a:prstGeom prst="rect">
+            <a:avLst/>
+          </a:prstGeom>
+        </p:spPr>
+      </p:pic>
+      <p:pic>
+        <p:nvPicPr>
+          <p:cNvPr id="1026" name="Picture 2" descr="thread memory">
+            <a:extLst>
+              <a:ext uri="{FF2B5EF4-FFF2-40B4-BE49-F238E27FC236}">
+                <a16:creationId xmlns:a16="http://schemas.microsoft.com/office/drawing/2014/main" id="{BCA0D0F5-5434-42C4-8F0B-6A8F83D398CF}"/>
+              </a:ext>
+            </a:extLst>
+          </p:cNvPr>
+          <p:cNvPicPr>
+            <a:picLocks noChangeAspect="1" noChangeArrowheads="1"/>
+          </p:cNvPicPr>
+          <p:nvPr/>
+        </p:nvPicPr>
+        <p:blipFill>
+          <a:blip r:embed="rId5">
+            <a:extLst>
+              <a:ext uri="{28A0092B-C50C-407E-A947-70E740481C1C}">
+                <a14:useLocalDpi xmlns:a14="http://schemas.microsoft.com/office/drawing/2010/main" val="0"/>
+              </a:ext>
+            </a:extLst>
+          </a:blip>
+          <a:srcRect/>
+          <a:stretch>
+            <a:fillRect/>
+          </a:stretch>
+        </p:blipFill>
+        <p:spPr bwMode="auto">
+          <a:xfrm>
+            <a:off x="717704" y="4293096"/>
+            <a:ext cx="3456384" cy="1944216"/>
+          </a:xfrm>
+          <a:prstGeom prst="rect">
+            <a:avLst/>
+          </a:prstGeom>
+          <a:noFill/>
+          <a:extLst>
+            <a:ext uri="{909E8E84-426E-40DD-AFC4-6F175D3DCCD1}">
+              <a14:hiddenFill xmlns:a14="http://schemas.microsoft.com/office/drawing/2010/main">
+                <a:solidFill>
+                  <a:srgbClr val="FFFFFF"/>
+                </a:solidFill>
+              </a14:hiddenFill>
+            </a:ext>
+          </a:extLst>
+        </p:spPr>
+      </p:pic>
       <p:sp>
         <p:nvSpPr>
-          <p:cNvPr id="17" name="TextBox 16">
-            <a:extLst>
-              <a:ext uri="{FF2B5EF4-FFF2-40B4-BE49-F238E27FC236}">
-                <a16:creationId xmlns:a16="http://schemas.microsoft.com/office/drawing/2014/main" id="{06D5E81F-7B36-41D4-B04A-6E7FBDB42215}"/>
+          <p:cNvPr id="27" name="TextBox 26">
+            <a:extLst>
+              <a:ext uri="{FF2B5EF4-FFF2-40B4-BE49-F238E27FC236}">
+                <a16:creationId xmlns:a16="http://schemas.microsoft.com/office/drawing/2014/main" id="{F952B7E7-363B-44CC-B6A2-747FC60250C8}"/>
               </a:ext>
             </a:extLst>
           </p:cNvPr>
@@ -4967,8 +5719,8 @@
         </p:nvSpPr>
         <p:spPr>
           <a:xfrm>
-            <a:off x="1446655" y="1723772"/>
-            <a:ext cx="1152128" cy="246221"/>
+            <a:off x="9263708" y="4522326"/>
+            <a:ext cx="1342783" cy="246221"/>
           </a:xfrm>
           <a:prstGeom prst="rect">
             <a:avLst/>
@@ -4983,232 +5735,18 @@
           <a:p>
             <a:pPr algn="ctr"/>
             <a:r>
-              <a:rPr lang="en-US" altLang="ko-KR" sz="1000" dirty="0" err="1"/>
-              <a:t>CallBack</a:t>
-            </a:r>
-            <a:endParaRPr lang="ko-KR" altLang="en-US" sz="1000" dirty="0"/>
-          </a:p>
-        </p:txBody>
-      </p:sp>
-      <p:sp>
-        <p:nvSpPr>
-          <p:cNvPr id="18" name="TextBox 17">
-            <a:extLst>
-              <a:ext uri="{FF2B5EF4-FFF2-40B4-BE49-F238E27FC236}">
-                <a16:creationId xmlns:a16="http://schemas.microsoft.com/office/drawing/2014/main" id="{089FA38E-7E57-42F4-B4D5-0D84AE15CEBD}"/>
-              </a:ext>
-            </a:extLst>
-          </p:cNvPr>
-          <p:cNvSpPr txBox="1"/>
-          <p:nvPr/>
-        </p:nvSpPr>
-        <p:spPr>
-          <a:xfrm>
-            <a:off x="479376" y="4273903"/>
-            <a:ext cx="6408712" cy="861774"/>
-          </a:xfrm>
-          <a:prstGeom prst="rect">
-            <a:avLst/>
-          </a:prstGeom>
-          <a:noFill/>
-        </p:spPr>
-        <p:txBody>
-          <a:bodyPr wrap="square" rtlCol="0">
-            <a:spAutoFit/>
-          </a:bodyPr>
-          <a:lstStyle/>
-          <a:p>
-            <a:r>
-              <a:rPr lang="en-US" altLang="ko-KR" sz="1000" dirty="0"/>
-              <a:t>TCP/IP</a:t>
-            </a:r>
-            <a:r>
-              <a:rPr lang="ko-KR" altLang="en-US" sz="1000" dirty="0"/>
-              <a:t> 비동기 통신으로 데이터가 들어오면 </a:t>
-            </a:r>
-            <a:r>
-              <a:rPr lang="en-US" altLang="ko-KR" sz="1000" dirty="0"/>
-              <a:t>UI </a:t>
-            </a:r>
-            <a:r>
-              <a:rPr lang="ko-KR" altLang="en-US" sz="1000" dirty="0"/>
-              <a:t>내 </a:t>
-            </a:r>
-            <a:r>
-              <a:rPr lang="en-US" altLang="ko-KR" sz="1000" dirty="0" err="1"/>
-              <a:t>CallBack</a:t>
-            </a:r>
-            <a:r>
-              <a:rPr lang="en-US" altLang="ko-KR" sz="1000" dirty="0"/>
-              <a:t> </a:t>
-            </a:r>
-            <a:r>
-              <a:rPr lang="ko-KR" altLang="en-US" sz="1000" dirty="0"/>
-              <a:t>함수가 실행이 된다</a:t>
-            </a:r>
-            <a:r>
-              <a:rPr lang="en-US" altLang="ko-KR" sz="1000" dirty="0"/>
-              <a:t>.</a:t>
-            </a:r>
-          </a:p>
-          <a:p>
-            <a:endParaRPr lang="en-US" altLang="ko-KR" sz="1000" dirty="0"/>
-          </a:p>
-          <a:p>
-            <a:r>
-              <a:rPr lang="ko-KR" altLang="en-US" sz="1000" dirty="0"/>
-              <a:t>이때 외부 </a:t>
-            </a:r>
-            <a:r>
-              <a:rPr lang="en-US" altLang="ko-KR" sz="1000" dirty="0"/>
-              <a:t>Thread </a:t>
-            </a:r>
-            <a:r>
-              <a:rPr lang="ko-KR" altLang="en-US" sz="1000" dirty="0"/>
-              <a:t>에서는 </a:t>
-            </a:r>
-            <a:r>
-              <a:rPr lang="en-US" altLang="ko-KR" sz="1000" dirty="0"/>
-              <a:t>UI</a:t>
-            </a:r>
-            <a:r>
-              <a:rPr lang="ko-KR" altLang="en-US" sz="1000" dirty="0"/>
-              <a:t>에 접근 하면 </a:t>
-            </a:r>
-            <a:r>
-              <a:rPr lang="en-US" altLang="ko-KR" sz="1000" dirty="0"/>
-              <a:t>“Error</a:t>
-            </a:r>
-            <a:r>
-              <a:rPr lang="ko-KR" altLang="en-US" sz="1000" dirty="0"/>
-              <a:t> </a:t>
-            </a:r>
-            <a:r>
-              <a:rPr lang="en-US" altLang="ko-KR" sz="1000" dirty="0"/>
-              <a:t>Image</a:t>
-            </a:r>
-            <a:r>
-              <a:rPr lang="ko-KR" altLang="en-US" sz="1000" dirty="0"/>
-              <a:t> </a:t>
-            </a:r>
-            <a:r>
-              <a:rPr lang="en-US" altLang="ko-KR" sz="1000" dirty="0"/>
-              <a:t>1”</a:t>
-            </a:r>
-            <a:r>
-              <a:rPr lang="ko-KR" altLang="en-US" sz="1000" dirty="0"/>
-              <a:t> 의 형태의 에러가 발생된다</a:t>
-            </a:r>
-            <a:r>
-              <a:rPr lang="en-US" altLang="ko-KR" sz="1000" dirty="0"/>
-              <a:t>.</a:t>
-            </a:r>
-          </a:p>
-          <a:p>
-            <a:endParaRPr lang="en-US" altLang="ko-KR" sz="1000" dirty="0"/>
-          </a:p>
-          <a:p>
-            <a:r>
-              <a:rPr lang="ko-KR" altLang="en-US" sz="1000" dirty="0"/>
-              <a:t>외부 </a:t>
-            </a:r>
-            <a:r>
-              <a:rPr lang="en-US" altLang="ko-KR" sz="1000" dirty="0"/>
-              <a:t>Thread </a:t>
-            </a:r>
-            <a:r>
-              <a:rPr lang="ko-KR" altLang="en-US" sz="1000" dirty="0"/>
-              <a:t>에서 </a:t>
-            </a:r>
-            <a:r>
-              <a:rPr lang="en-US" altLang="ko-KR" sz="1000" dirty="0"/>
-              <a:t>UI</a:t>
-            </a:r>
-            <a:r>
-              <a:rPr lang="ko-KR" altLang="en-US" sz="1000" dirty="0"/>
-              <a:t>에 접근 하기 위해서는 </a:t>
-            </a:r>
-            <a:r>
-              <a:rPr lang="en-US" altLang="ko-KR" sz="1000" dirty="0"/>
-              <a:t>Dispatcher</a:t>
-            </a:r>
-            <a:r>
-              <a:rPr lang="ko-KR" altLang="en-US" sz="1000" dirty="0"/>
-              <a:t>를 사용한다</a:t>
-            </a:r>
-            <a:r>
-              <a:rPr lang="en-US" altLang="ko-KR" sz="1000" dirty="0"/>
-              <a:t>.</a:t>
-            </a:r>
-            <a:endParaRPr lang="ko-KR" altLang="en-US" sz="1000" dirty="0"/>
-          </a:p>
-        </p:txBody>
-      </p:sp>
-      <p:pic>
-        <p:nvPicPr>
-          <p:cNvPr id="20" name="그림 19">
-            <a:extLst>
-              <a:ext uri="{FF2B5EF4-FFF2-40B4-BE49-F238E27FC236}">
-                <a16:creationId xmlns:a16="http://schemas.microsoft.com/office/drawing/2014/main" id="{12517416-AE49-49F3-A4E1-6D6C4124ADE7}"/>
-              </a:ext>
-            </a:extLst>
-          </p:cNvPr>
-          <p:cNvPicPr>
-            <a:picLocks noChangeAspect="1"/>
-          </p:cNvPicPr>
-          <p:nvPr/>
-        </p:nvPicPr>
-        <p:blipFill>
-          <a:blip r:embed="rId2"/>
-          <a:stretch>
-            <a:fillRect/>
-          </a:stretch>
-        </p:blipFill>
-        <p:spPr>
-          <a:xfrm>
-            <a:off x="4439816" y="1105551"/>
-            <a:ext cx="3384376" cy="1719263"/>
-          </a:xfrm>
-          <a:prstGeom prst="rect">
-            <a:avLst/>
-          </a:prstGeom>
-        </p:spPr>
-      </p:pic>
-      <p:sp>
-        <p:nvSpPr>
-          <p:cNvPr id="23" name="TextBox 22">
-            <a:extLst>
-              <a:ext uri="{FF2B5EF4-FFF2-40B4-BE49-F238E27FC236}">
-                <a16:creationId xmlns:a16="http://schemas.microsoft.com/office/drawing/2014/main" id="{08A3694C-F15F-4656-B750-EA9533B8E95C}"/>
-              </a:ext>
-            </a:extLst>
-          </p:cNvPr>
-          <p:cNvSpPr txBox="1"/>
-          <p:nvPr/>
-        </p:nvSpPr>
-        <p:spPr>
-          <a:xfrm>
-            <a:off x="5555940" y="2824814"/>
-            <a:ext cx="1152128" cy="246221"/>
-          </a:xfrm>
-          <a:prstGeom prst="rect">
-            <a:avLst/>
-          </a:prstGeom>
-          <a:noFill/>
-        </p:spPr>
-        <p:txBody>
-          <a:bodyPr wrap="square" rtlCol="0">
-            <a:spAutoFit/>
-          </a:bodyPr>
-          <a:lstStyle/>
-          <a:p>
-            <a:pPr algn="ctr"/>
-            <a:r>
-              <a:rPr lang="en-US" altLang="ko-KR" sz="1000" dirty="0">
+              <a:rPr lang="en-US" altLang="ko-KR" sz="1000">
                 <a:latin typeface="Arial" panose="020B0604020202020204" pitchFamily="34" charset="0"/>
                 <a:cs typeface="Arial" panose="020B0604020202020204" pitchFamily="34" charset="0"/>
               </a:rPr>
-              <a:t>Error 1</a:t>
+              <a:t>Error 2 - </a:t>
+            </a:r>
+            <a:r>
+              <a:rPr lang="ko-KR" altLang="en-US" sz="1000" dirty="0" err="1">
+                <a:latin typeface="Arial" panose="020B0604020202020204" pitchFamily="34" charset="0"/>
+                <a:cs typeface="Arial" panose="020B0604020202020204" pitchFamily="34" charset="0"/>
+              </a:rPr>
+              <a:t>호출스택</a:t>
             </a:r>
             <a:endParaRPr lang="ko-KR" altLang="en-US" sz="1000" dirty="0">
               <a:latin typeface="Arial" panose="020B0604020202020204" pitchFamily="34" charset="0"/>
@@ -5231,347 +5769,6 @@
 </file>
 
 <file path=ppt/slides/slide3.xml><?xml version="1.0" encoding="utf-8"?>
-<p:sld xmlns:a="http://schemas.openxmlformats.org/drawingml/2006/main" xmlns:r="http://schemas.openxmlformats.org/officeDocument/2006/relationships" xmlns:p="http://schemas.openxmlformats.org/presentationml/2006/main">
-  <p:cSld>
-    <p:spTree>
-      <p:nvGrpSpPr>
-        <p:cNvPr id="1" name=""/>
-        <p:cNvGrpSpPr/>
-        <p:nvPr/>
-      </p:nvGrpSpPr>
-      <p:grpSpPr>
-        <a:xfrm>
-          <a:off x="0" y="0"/>
-          <a:ext cx="0" cy="0"/>
-          <a:chOff x="0" y="0"/>
-          <a:chExt cx="0" cy="0"/>
-        </a:xfrm>
-      </p:grpSpPr>
-      <p:sp>
-        <p:nvSpPr>
-          <p:cNvPr id="2" name="제목 1">
-            <a:extLst>
-              <a:ext uri="{FF2B5EF4-FFF2-40B4-BE49-F238E27FC236}">
-                <a16:creationId xmlns:a16="http://schemas.microsoft.com/office/drawing/2014/main" id="{BF5DC00E-F1DD-4218-889D-7B24EA4DDB7E}"/>
-              </a:ext>
-            </a:extLst>
-          </p:cNvPr>
-          <p:cNvSpPr>
-            <a:spLocks noGrp="1"/>
-          </p:cNvSpPr>
-          <p:nvPr>
-            <p:ph type="title"/>
-          </p:nvPr>
-        </p:nvSpPr>
-        <p:spPr/>
-        <p:txBody>
-          <a:bodyPr/>
-          <a:lstStyle/>
-          <a:p>
-            <a:r>
-              <a:rPr lang="en-US" altLang="ko-KR" dirty="0" err="1"/>
-              <a:t>Dispatcher.Invoke</a:t>
-            </a:r>
-            <a:endParaRPr lang="ko-KR" altLang="en-US" dirty="0"/>
-          </a:p>
-        </p:txBody>
-      </p:sp>
-      <p:sp>
-        <p:nvSpPr>
-          <p:cNvPr id="3" name="슬라이드 번호 개체 틀 2">
-            <a:extLst>
-              <a:ext uri="{FF2B5EF4-FFF2-40B4-BE49-F238E27FC236}">
-                <a16:creationId xmlns:a16="http://schemas.microsoft.com/office/drawing/2014/main" id="{EF8D1160-FA0B-4FD7-96C9-AB1FBD9F769D}"/>
-              </a:ext>
-            </a:extLst>
-          </p:cNvPr>
-          <p:cNvSpPr>
-            <a:spLocks noGrp="1"/>
-          </p:cNvSpPr>
-          <p:nvPr>
-            <p:ph type="sldNum" sz="quarter" idx="4"/>
-          </p:nvPr>
-        </p:nvSpPr>
-        <p:spPr/>
-        <p:txBody>
-          <a:bodyPr/>
-          <a:lstStyle/>
-          <a:p>
-            <a:pPr>
-              <a:defRPr/>
-            </a:pPr>
-            <a:fld id="{B041EC1C-CD40-411B-B8A8-88A7A386D31F}" type="slidenum">
-              <a:rPr lang="ko-KR" altLang="en-US" smtClean="0"/>
-              <a:pPr>
-                <a:defRPr/>
-              </a:pPr>
-              <a:t>3</a:t>
-            </a:fld>
-            <a:endParaRPr lang="ko-KR" altLang="en-US"/>
-          </a:p>
-        </p:txBody>
-      </p:sp>
-      <p:pic>
-        <p:nvPicPr>
-          <p:cNvPr id="6" name="그림 5">
-            <a:extLst>
-              <a:ext uri="{FF2B5EF4-FFF2-40B4-BE49-F238E27FC236}">
-                <a16:creationId xmlns:a16="http://schemas.microsoft.com/office/drawing/2014/main" id="{6C71EEEF-1F07-412A-B7DC-383E379736F8}"/>
-              </a:ext>
-            </a:extLst>
-          </p:cNvPr>
-          <p:cNvPicPr>
-            <a:picLocks noChangeAspect="1"/>
-          </p:cNvPicPr>
-          <p:nvPr/>
-        </p:nvPicPr>
-        <p:blipFill>
-          <a:blip r:embed="rId2"/>
-          <a:stretch>
-            <a:fillRect/>
-          </a:stretch>
-        </p:blipFill>
-        <p:spPr>
-          <a:xfrm>
-            <a:off x="551384" y="2708920"/>
-            <a:ext cx="7592485" cy="1895740"/>
-          </a:xfrm>
-          <a:prstGeom prst="rect">
-            <a:avLst/>
-          </a:prstGeom>
-        </p:spPr>
-      </p:pic>
-      <p:pic>
-        <p:nvPicPr>
-          <p:cNvPr id="5" name="그림 4">
-            <a:extLst>
-              <a:ext uri="{FF2B5EF4-FFF2-40B4-BE49-F238E27FC236}">
-                <a16:creationId xmlns:a16="http://schemas.microsoft.com/office/drawing/2014/main" id="{6BA7E913-618A-42A9-BF3B-DF171A7D3311}"/>
-              </a:ext>
-            </a:extLst>
-          </p:cNvPr>
-          <p:cNvPicPr>
-            <a:picLocks noChangeAspect="1"/>
-          </p:cNvPicPr>
-          <p:nvPr/>
-        </p:nvPicPr>
-        <p:blipFill>
-          <a:blip r:embed="rId3"/>
-          <a:stretch>
-            <a:fillRect/>
-          </a:stretch>
-        </p:blipFill>
-        <p:spPr>
-          <a:xfrm>
-            <a:off x="6312024" y="903041"/>
-            <a:ext cx="5256584" cy="818146"/>
-          </a:xfrm>
-          <a:prstGeom prst="rect">
-            <a:avLst/>
-          </a:prstGeom>
-        </p:spPr>
-      </p:pic>
-      <p:sp>
-        <p:nvSpPr>
-          <p:cNvPr id="21" name="TextBox 20">
-            <a:extLst>
-              <a:ext uri="{FF2B5EF4-FFF2-40B4-BE49-F238E27FC236}">
-                <a16:creationId xmlns:a16="http://schemas.microsoft.com/office/drawing/2014/main" id="{DB7BCBD9-C922-4B0A-AB04-D80DC393E59A}"/>
-              </a:ext>
-            </a:extLst>
-          </p:cNvPr>
-          <p:cNvSpPr txBox="1"/>
-          <p:nvPr/>
-        </p:nvSpPr>
-        <p:spPr>
-          <a:xfrm>
-            <a:off x="335360" y="1065893"/>
-            <a:ext cx="4306482" cy="246221"/>
-          </a:xfrm>
-          <a:prstGeom prst="rect">
-            <a:avLst/>
-          </a:prstGeom>
-          <a:noFill/>
-        </p:spPr>
-        <p:txBody>
-          <a:bodyPr wrap="square" rtlCol="0">
-            <a:spAutoFit/>
-          </a:bodyPr>
-          <a:lstStyle/>
-          <a:p>
-            <a:r>
-              <a:rPr lang="en-US" altLang="ko-KR" sz="1000" dirty="0" err="1"/>
-              <a:t>CallBack</a:t>
-            </a:r>
-            <a:r>
-              <a:rPr lang="en-US" altLang="ko-KR" sz="1000" dirty="0"/>
-              <a:t> </a:t>
-            </a:r>
-            <a:r>
-              <a:rPr lang="en-US" altLang="ko-KR" sz="1000" dirty="0" err="1"/>
-              <a:t>Func</a:t>
-            </a:r>
-            <a:r>
-              <a:rPr lang="en-US" altLang="ko-KR" sz="1000" dirty="0"/>
-              <a:t> </a:t>
-            </a:r>
-            <a:r>
-              <a:rPr lang="ko-KR" altLang="en-US" sz="1000" dirty="0"/>
-              <a:t>내부에 </a:t>
-            </a:r>
-            <a:r>
-              <a:rPr lang="en-US" altLang="ko-KR" sz="1000" dirty="0"/>
-              <a:t>Dispatcher</a:t>
-            </a:r>
-            <a:r>
-              <a:rPr lang="ko-KR" altLang="en-US" sz="1000" dirty="0"/>
-              <a:t>를 선언하면 </a:t>
-            </a:r>
-            <a:r>
-              <a:rPr lang="en-US" altLang="ko-KR" sz="1000" dirty="0"/>
-              <a:t>“Error 2” </a:t>
-            </a:r>
-            <a:r>
-              <a:rPr lang="ko-KR" altLang="en-US" sz="1000" dirty="0"/>
-              <a:t>발생된다</a:t>
-            </a:r>
-            <a:r>
-              <a:rPr lang="en-US" altLang="ko-KR" sz="1000" dirty="0"/>
-              <a:t>. </a:t>
-            </a:r>
-            <a:endParaRPr lang="ko-KR" altLang="en-US" sz="1000" dirty="0"/>
-          </a:p>
-        </p:txBody>
-      </p:sp>
-      <p:sp>
-        <p:nvSpPr>
-          <p:cNvPr id="22" name="TextBox 21">
-            <a:extLst>
-              <a:ext uri="{FF2B5EF4-FFF2-40B4-BE49-F238E27FC236}">
-                <a16:creationId xmlns:a16="http://schemas.microsoft.com/office/drawing/2014/main" id="{43DB7CE4-B3AD-4672-9EEE-80B0BBAFF765}"/>
-              </a:ext>
-            </a:extLst>
-          </p:cNvPr>
-          <p:cNvSpPr txBox="1"/>
-          <p:nvPr/>
-        </p:nvSpPr>
-        <p:spPr>
-          <a:xfrm>
-            <a:off x="8616280" y="1727784"/>
-            <a:ext cx="1152128" cy="246221"/>
-          </a:xfrm>
-          <a:prstGeom prst="rect">
-            <a:avLst/>
-          </a:prstGeom>
-          <a:noFill/>
-        </p:spPr>
-        <p:txBody>
-          <a:bodyPr wrap="square" rtlCol="0">
-            <a:spAutoFit/>
-          </a:bodyPr>
-          <a:lstStyle/>
-          <a:p>
-            <a:pPr algn="ctr"/>
-            <a:r>
-              <a:rPr lang="en-US" altLang="ko-KR" sz="1000" dirty="0">
-                <a:latin typeface="Arial" panose="020B0604020202020204" pitchFamily="34" charset="0"/>
-                <a:cs typeface="Arial" panose="020B0604020202020204" pitchFamily="34" charset="0"/>
-              </a:rPr>
-              <a:t>Error 2</a:t>
-            </a:r>
-            <a:endParaRPr lang="ko-KR" altLang="en-US" sz="1000" dirty="0">
-              <a:latin typeface="Arial" panose="020B0604020202020204" pitchFamily="34" charset="0"/>
-              <a:cs typeface="Arial" panose="020B0604020202020204" pitchFamily="34" charset="0"/>
-            </a:endParaRPr>
-          </a:p>
-        </p:txBody>
-      </p:sp>
-      <p:sp>
-        <p:nvSpPr>
-          <p:cNvPr id="23" name="TextBox 22">
-            <a:extLst>
-              <a:ext uri="{FF2B5EF4-FFF2-40B4-BE49-F238E27FC236}">
-                <a16:creationId xmlns:a16="http://schemas.microsoft.com/office/drawing/2014/main" id="{D3AA0989-9628-44EA-AC58-40C658F2F800}"/>
-              </a:ext>
-            </a:extLst>
-          </p:cNvPr>
-          <p:cNvSpPr txBox="1"/>
-          <p:nvPr/>
-        </p:nvSpPr>
-        <p:spPr>
-          <a:xfrm>
-            <a:off x="577705" y="4869160"/>
-            <a:ext cx="4306482" cy="246221"/>
-          </a:xfrm>
-          <a:prstGeom prst="rect">
-            <a:avLst/>
-          </a:prstGeom>
-          <a:noFill/>
-        </p:spPr>
-        <p:txBody>
-          <a:bodyPr wrap="square" rtlCol="0">
-            <a:spAutoFit/>
-          </a:bodyPr>
-          <a:lstStyle/>
-          <a:p>
-            <a:r>
-              <a:rPr lang="en-US" altLang="ko-KR" sz="1000" dirty="0" err="1"/>
-              <a:t>CallBack</a:t>
-            </a:r>
-            <a:r>
-              <a:rPr lang="en-US" altLang="ko-KR" sz="1000" dirty="0"/>
-              <a:t> </a:t>
-            </a:r>
-            <a:r>
-              <a:rPr lang="en-US" altLang="ko-KR" sz="1000" dirty="0" err="1"/>
-              <a:t>Func</a:t>
-            </a:r>
-            <a:r>
-              <a:rPr lang="en-US" altLang="ko-KR" sz="1000" dirty="0"/>
-              <a:t> </a:t>
-            </a:r>
-            <a:r>
-              <a:rPr lang="ko-KR" altLang="en-US" sz="1000" dirty="0"/>
-              <a:t>내부에 </a:t>
-            </a:r>
-            <a:r>
-              <a:rPr lang="en-US" altLang="ko-KR" sz="1000" dirty="0"/>
-              <a:t>Dispatcher</a:t>
-            </a:r>
-            <a:r>
-              <a:rPr lang="ko-KR" altLang="en-US" sz="1000" dirty="0"/>
-              <a:t>를 선언하면 </a:t>
-            </a:r>
-            <a:r>
-              <a:rPr lang="en-US" altLang="ko-KR" sz="1000" dirty="0"/>
-              <a:t>“Error 2” </a:t>
-            </a:r>
-            <a:r>
-              <a:rPr lang="ko-KR" altLang="en-US" sz="1000" dirty="0"/>
-              <a:t>발생된다</a:t>
-            </a:r>
-            <a:r>
-              <a:rPr lang="en-US" altLang="ko-KR" sz="1000" dirty="0"/>
-              <a:t>. </a:t>
-            </a:r>
-            <a:endParaRPr lang="ko-KR" altLang="en-US" sz="1000" dirty="0"/>
-          </a:p>
-        </p:txBody>
-      </p:sp>
-    </p:spTree>
-    <p:extLst>
-      <p:ext uri="{BB962C8B-B14F-4D97-AF65-F5344CB8AC3E}">
-        <p14:creationId xmlns:p14="http://schemas.microsoft.com/office/powerpoint/2010/main" val="3959365382"/>
-      </p:ext>
-    </p:extLst>
-  </p:cSld>
-  <p:clrMapOvr>
-    <a:masterClrMapping/>
-  </p:clrMapOvr>
-</p:sld>
-</file>
-
-<file path=ppt/slides/slide4.xml><?xml version="1.0" encoding="utf-8"?>
 <p:sld xmlns:a="http://schemas.openxmlformats.org/drawingml/2006/main" xmlns:r="http://schemas.openxmlformats.org/officeDocument/2006/relationships" xmlns:p="http://schemas.openxmlformats.org/presentationml/2006/main">
   <p:cSld>
     <p:spTree>

--- a/Csharp_자료.pptx
+++ b/Csharp_자료.pptx
@@ -5,15 +5,17 @@
     <p:sldMasterId id="2147483648" r:id="rId1"/>
   </p:sldMasterIdLst>
   <p:notesMasterIdLst>
-    <p:notesMasterId r:id="rId5"/>
+    <p:notesMasterId r:id="rId7"/>
   </p:notesMasterIdLst>
   <p:handoutMasterIdLst>
-    <p:handoutMasterId r:id="rId6"/>
+    <p:handoutMasterId r:id="rId8"/>
   </p:handoutMasterIdLst>
   <p:sldIdLst>
     <p:sldId id="395" r:id="rId2"/>
     <p:sldId id="423" r:id="rId3"/>
-    <p:sldId id="414" r:id="rId4"/>
+    <p:sldId id="424" r:id="rId4"/>
+    <p:sldId id="425" r:id="rId5"/>
+    <p:sldId id="414" r:id="rId6"/>
   </p:sldIdLst>
   <p:sldSz cx="12192000" cy="6858000"/>
   <p:notesSz cx="6735763" cy="9866313"/>
@@ -149,6 +151,8 @@
           <p14:sldIdLst>
             <p14:sldId id="395"/>
             <p14:sldId id="423"/>
+            <p14:sldId id="424"/>
+            <p14:sldId id="425"/>
             <p14:sldId id="414"/>
           </p14:sldIdLst>
         </p14:section>
@@ -364,7 +368,7 @@
               <a:pPr>
                 <a:defRPr/>
               </a:pPr>
-              <a:t>2024-03-11</a:t>
+              <a:t>2024-03-19</a:t>
             </a:fld>
             <a:endParaRPr lang="ko-KR" altLang="en-US"/>
           </a:p>
@@ -611,7 +615,7 @@
               <a:pPr>
                 <a:defRPr/>
               </a:pPr>
-              <a:t>2024-03-11</a:t>
+              <a:t>2024-03-19</a:t>
             </a:fld>
             <a:endParaRPr lang="ko-KR" altLang="en-US"/>
           </a:p>
@@ -5769,6 +5773,328 @@
 </file>
 
 <file path=ppt/slides/slide3.xml><?xml version="1.0" encoding="utf-8"?>
+<p:sld xmlns:a="http://schemas.openxmlformats.org/drawingml/2006/main" xmlns:r="http://schemas.openxmlformats.org/officeDocument/2006/relationships" xmlns:p="http://schemas.openxmlformats.org/presentationml/2006/main">
+  <p:cSld>
+    <p:spTree>
+      <p:nvGrpSpPr>
+        <p:cNvPr id="1" name=""/>
+        <p:cNvGrpSpPr/>
+        <p:nvPr/>
+      </p:nvGrpSpPr>
+      <p:grpSpPr>
+        <a:xfrm>
+          <a:off x="0" y="0"/>
+          <a:ext cx="0" cy="0"/>
+          <a:chOff x="0" y="0"/>
+          <a:chExt cx="0" cy="0"/>
+        </a:xfrm>
+      </p:grpSpPr>
+      <p:sp>
+        <p:nvSpPr>
+          <p:cNvPr id="2" name="제목 1">
+            <a:extLst>
+              <a:ext uri="{FF2B5EF4-FFF2-40B4-BE49-F238E27FC236}">
+                <a16:creationId xmlns:a16="http://schemas.microsoft.com/office/drawing/2014/main" id="{2C7FB69A-0422-4F89-8055-D0F17178F389}"/>
+              </a:ext>
+            </a:extLst>
+          </p:cNvPr>
+          <p:cNvSpPr>
+            <a:spLocks noGrp="1"/>
+          </p:cNvSpPr>
+          <p:nvPr>
+            <p:ph type="title"/>
+          </p:nvPr>
+        </p:nvSpPr>
+        <p:spPr/>
+        <p:txBody>
+          <a:bodyPr/>
+          <a:lstStyle/>
+          <a:p>
+            <a:r>
+              <a:rPr lang="en-US" altLang="ko-KR" dirty="0"/>
+              <a:t>WPF </a:t>
+            </a:r>
+            <a:r>
+              <a:rPr lang="en-US" altLang="ko-KR" dirty="0" err="1"/>
+              <a:t>CommunityToolKit.Mvvm</a:t>
+            </a:r>
+            <a:r>
+              <a:rPr lang="en-US" altLang="ko-KR" dirty="0"/>
+              <a:t> </a:t>
+            </a:r>
+            <a:r>
+              <a:rPr lang="ko-KR" altLang="en-US" dirty="0"/>
+              <a:t>설치</a:t>
+            </a:r>
+            <a:r>
+              <a:rPr lang="en-US" altLang="ko-KR" dirty="0"/>
+              <a:t> </a:t>
+            </a:r>
+            <a:r>
+              <a:rPr lang="ko-KR" altLang="en-US" dirty="0"/>
+              <a:t>방법</a:t>
+            </a:r>
+          </a:p>
+        </p:txBody>
+      </p:sp>
+      <p:sp>
+        <p:nvSpPr>
+          <p:cNvPr id="3" name="슬라이드 번호 개체 틀 2">
+            <a:extLst>
+              <a:ext uri="{FF2B5EF4-FFF2-40B4-BE49-F238E27FC236}">
+                <a16:creationId xmlns:a16="http://schemas.microsoft.com/office/drawing/2014/main" id="{A1802519-A169-4F0E-8303-212DADEFE88D}"/>
+              </a:ext>
+            </a:extLst>
+          </p:cNvPr>
+          <p:cNvSpPr>
+            <a:spLocks noGrp="1"/>
+          </p:cNvSpPr>
+          <p:nvPr>
+            <p:ph type="sldNum" sz="quarter" idx="4"/>
+          </p:nvPr>
+        </p:nvSpPr>
+        <p:spPr/>
+        <p:txBody>
+          <a:bodyPr/>
+          <a:lstStyle/>
+          <a:p>
+            <a:pPr>
+              <a:defRPr/>
+            </a:pPr>
+            <a:fld id="{B041EC1C-CD40-411B-B8A8-88A7A386D31F}" type="slidenum">
+              <a:rPr lang="ko-KR" altLang="en-US" smtClean="0"/>
+              <a:pPr>
+                <a:defRPr/>
+              </a:pPr>
+              <a:t>3</a:t>
+            </a:fld>
+            <a:endParaRPr lang="ko-KR" altLang="en-US"/>
+          </a:p>
+        </p:txBody>
+      </p:sp>
+      <p:pic>
+        <p:nvPicPr>
+          <p:cNvPr id="6" name="그림 5">
+            <a:extLst>
+              <a:ext uri="{FF2B5EF4-FFF2-40B4-BE49-F238E27FC236}">
+                <a16:creationId xmlns:a16="http://schemas.microsoft.com/office/drawing/2014/main" id="{275D2CD7-AB72-4785-BF4E-0936ECDA30E8}"/>
+              </a:ext>
+            </a:extLst>
+          </p:cNvPr>
+          <p:cNvPicPr>
+            <a:picLocks noChangeAspect="1"/>
+          </p:cNvPicPr>
+          <p:nvPr/>
+        </p:nvPicPr>
+        <p:blipFill>
+          <a:blip r:embed="rId2"/>
+          <a:stretch>
+            <a:fillRect/>
+          </a:stretch>
+        </p:blipFill>
+        <p:spPr>
+          <a:xfrm>
+            <a:off x="263352" y="919202"/>
+            <a:ext cx="6048672" cy="841698"/>
+          </a:xfrm>
+          <a:prstGeom prst="rect">
+            <a:avLst/>
+          </a:prstGeom>
+        </p:spPr>
+      </p:pic>
+      <p:pic>
+        <p:nvPicPr>
+          <p:cNvPr id="8" name="그림 7">
+            <a:extLst>
+              <a:ext uri="{FF2B5EF4-FFF2-40B4-BE49-F238E27FC236}">
+                <a16:creationId xmlns:a16="http://schemas.microsoft.com/office/drawing/2014/main" id="{D8FFB627-3880-48C6-880C-D31D45DD2B5C}"/>
+              </a:ext>
+            </a:extLst>
+          </p:cNvPr>
+          <p:cNvPicPr>
+            <a:picLocks noChangeAspect="1"/>
+          </p:cNvPicPr>
+          <p:nvPr/>
+        </p:nvPicPr>
+        <p:blipFill>
+          <a:blip r:embed="rId3"/>
+          <a:stretch>
+            <a:fillRect/>
+          </a:stretch>
+        </p:blipFill>
+        <p:spPr>
+          <a:xfrm>
+            <a:off x="335360" y="2204864"/>
+            <a:ext cx="5658640" cy="3962953"/>
+          </a:xfrm>
+          <a:prstGeom prst="rect">
+            <a:avLst/>
+          </a:prstGeom>
+        </p:spPr>
+      </p:pic>
+      <p:pic>
+        <p:nvPicPr>
+          <p:cNvPr id="10" name="그림 9">
+            <a:extLst>
+              <a:ext uri="{FF2B5EF4-FFF2-40B4-BE49-F238E27FC236}">
+                <a16:creationId xmlns:a16="http://schemas.microsoft.com/office/drawing/2014/main" id="{A3241969-5B80-44BD-867B-458996B660A4}"/>
+              </a:ext>
+            </a:extLst>
+          </p:cNvPr>
+          <p:cNvPicPr>
+            <a:picLocks noChangeAspect="1"/>
+          </p:cNvPicPr>
+          <p:nvPr/>
+        </p:nvPicPr>
+        <p:blipFill>
+          <a:blip r:embed="rId4"/>
+          <a:stretch>
+            <a:fillRect/>
+          </a:stretch>
+        </p:blipFill>
+        <p:spPr>
+          <a:xfrm>
+            <a:off x="6096000" y="2186419"/>
+            <a:ext cx="4540996" cy="3999841"/>
+          </a:xfrm>
+          <a:prstGeom prst="rect">
+            <a:avLst/>
+          </a:prstGeom>
+        </p:spPr>
+      </p:pic>
+    </p:spTree>
+    <p:extLst>
+      <p:ext uri="{BB962C8B-B14F-4D97-AF65-F5344CB8AC3E}">
+        <p14:creationId xmlns:p14="http://schemas.microsoft.com/office/powerpoint/2010/main" val="463420175"/>
+      </p:ext>
+    </p:extLst>
+  </p:cSld>
+  <p:clrMapOvr>
+    <a:masterClrMapping/>
+  </p:clrMapOvr>
+</p:sld>
+</file>
+
+<file path=ppt/slides/slide4.xml><?xml version="1.0" encoding="utf-8"?>
+<p:sld xmlns:a="http://schemas.openxmlformats.org/drawingml/2006/main" xmlns:r="http://schemas.openxmlformats.org/officeDocument/2006/relationships" xmlns:p="http://schemas.openxmlformats.org/presentationml/2006/main">
+  <p:cSld>
+    <p:spTree>
+      <p:nvGrpSpPr>
+        <p:cNvPr id="1" name=""/>
+        <p:cNvGrpSpPr/>
+        <p:nvPr/>
+      </p:nvGrpSpPr>
+      <p:grpSpPr>
+        <a:xfrm>
+          <a:off x="0" y="0"/>
+          <a:ext cx="0" cy="0"/>
+          <a:chOff x="0" y="0"/>
+          <a:chExt cx="0" cy="0"/>
+        </a:xfrm>
+      </p:grpSpPr>
+      <p:sp>
+        <p:nvSpPr>
+          <p:cNvPr id="2" name="제목 1">
+            <a:extLst>
+              <a:ext uri="{FF2B5EF4-FFF2-40B4-BE49-F238E27FC236}">
+                <a16:creationId xmlns:a16="http://schemas.microsoft.com/office/drawing/2014/main" id="{6A51B1E8-9B2F-4FA4-A40D-2E31D56E4B1A}"/>
+              </a:ext>
+            </a:extLst>
+          </p:cNvPr>
+          <p:cNvSpPr>
+            <a:spLocks noGrp="1"/>
+          </p:cNvSpPr>
+          <p:nvPr>
+            <p:ph type="title"/>
+          </p:nvPr>
+        </p:nvSpPr>
+        <p:spPr/>
+        <p:txBody>
+          <a:bodyPr/>
+          <a:lstStyle/>
+          <a:p>
+            <a:r>
+              <a:rPr lang="en-US" altLang="ko-KR" dirty="0" err="1"/>
+              <a:t>LAy</a:t>
+            </a:r>
+            <a:endParaRPr lang="ko-KR" altLang="en-US" dirty="0"/>
+          </a:p>
+        </p:txBody>
+      </p:sp>
+      <p:sp>
+        <p:nvSpPr>
+          <p:cNvPr id="3" name="슬라이드 번호 개체 틀 2">
+            <a:extLst>
+              <a:ext uri="{FF2B5EF4-FFF2-40B4-BE49-F238E27FC236}">
+                <a16:creationId xmlns:a16="http://schemas.microsoft.com/office/drawing/2014/main" id="{73888FD2-0EE6-4557-8864-9AB04AF12222}"/>
+              </a:ext>
+            </a:extLst>
+          </p:cNvPr>
+          <p:cNvSpPr>
+            <a:spLocks noGrp="1"/>
+          </p:cNvSpPr>
+          <p:nvPr>
+            <p:ph type="sldNum" sz="quarter" idx="4"/>
+          </p:nvPr>
+        </p:nvSpPr>
+        <p:spPr/>
+        <p:txBody>
+          <a:bodyPr/>
+          <a:lstStyle/>
+          <a:p>
+            <a:pPr>
+              <a:defRPr/>
+            </a:pPr>
+            <a:fld id="{B041EC1C-CD40-411B-B8A8-88A7A386D31F}" type="slidenum">
+              <a:rPr lang="ko-KR" altLang="en-US" smtClean="0"/>
+              <a:pPr>
+                <a:defRPr/>
+              </a:pPr>
+              <a:t>4</a:t>
+            </a:fld>
+            <a:endParaRPr lang="ko-KR" altLang="en-US"/>
+          </a:p>
+        </p:txBody>
+      </p:sp>
+      <p:sp>
+        <p:nvSpPr>
+          <p:cNvPr id="4" name="내용 개체 틀 3">
+            <a:extLst>
+              <a:ext uri="{FF2B5EF4-FFF2-40B4-BE49-F238E27FC236}">
+                <a16:creationId xmlns:a16="http://schemas.microsoft.com/office/drawing/2014/main" id="{BB918627-F3E5-4A2E-A673-529453878353}"/>
+              </a:ext>
+            </a:extLst>
+          </p:cNvPr>
+          <p:cNvSpPr>
+            <a:spLocks noGrp="1"/>
+          </p:cNvSpPr>
+          <p:nvPr>
+            <p:ph sz="quarter" idx="10"/>
+          </p:nvPr>
+        </p:nvSpPr>
+        <p:spPr/>
+        <p:txBody>
+          <a:bodyPr/>
+          <a:lstStyle/>
+          <a:p>
+            <a:endParaRPr lang="ko-KR" altLang="en-US"/>
+          </a:p>
+        </p:txBody>
+      </p:sp>
+    </p:spTree>
+    <p:extLst>
+      <p:ext uri="{BB962C8B-B14F-4D97-AF65-F5344CB8AC3E}">
+        <p14:creationId xmlns:p14="http://schemas.microsoft.com/office/powerpoint/2010/main" val="1541167238"/>
+      </p:ext>
+    </p:extLst>
+  </p:cSld>
+  <p:clrMapOvr>
+    <a:masterClrMapping/>
+  </p:clrMapOvr>
+</p:sld>
+</file>
+
+<file path=ppt/slides/slide5.xml><?xml version="1.0" encoding="utf-8"?>
 <p:sld xmlns:a="http://schemas.openxmlformats.org/drawingml/2006/main" xmlns:r="http://schemas.openxmlformats.org/officeDocument/2006/relationships" xmlns:p="http://schemas.openxmlformats.org/presentationml/2006/main">
   <p:cSld>
     <p:spTree>

--- a/Csharp_자료.pptx
+++ b/Csharp_자료.pptx
@@ -5,17 +5,16 @@
     <p:sldMasterId id="2147483648" r:id="rId1"/>
   </p:sldMasterIdLst>
   <p:notesMasterIdLst>
-    <p:notesMasterId r:id="rId7"/>
+    <p:notesMasterId r:id="rId6"/>
   </p:notesMasterIdLst>
   <p:handoutMasterIdLst>
-    <p:handoutMasterId r:id="rId8"/>
+    <p:handoutMasterId r:id="rId7"/>
   </p:handoutMasterIdLst>
   <p:sldIdLst>
     <p:sldId id="395" r:id="rId2"/>
     <p:sldId id="423" r:id="rId3"/>
     <p:sldId id="424" r:id="rId4"/>
-    <p:sldId id="425" r:id="rId5"/>
-    <p:sldId id="414" r:id="rId6"/>
+    <p:sldId id="414" r:id="rId5"/>
   </p:sldIdLst>
   <p:sldSz cx="12192000" cy="6858000"/>
   <p:notesSz cx="6735763" cy="9866313"/>
@@ -152,7 +151,6 @@
             <p14:sldId id="395"/>
             <p14:sldId id="423"/>
             <p14:sldId id="424"/>
-            <p14:sldId id="425"/>
             <p14:sldId id="414"/>
           </p14:sldIdLst>
         </p14:section>
@@ -368,7 +366,7 @@
               <a:pPr>
                 <a:defRPr/>
               </a:pPr>
-              <a:t>2024-03-19</a:t>
+              <a:t>2024-03-28</a:t>
             </a:fld>
             <a:endParaRPr lang="ko-KR" altLang="en-US"/>
           </a:p>
@@ -615,7 +613,7 @@
               <a:pPr>
                 <a:defRPr/>
               </a:pPr>
-              <a:t>2024-03-19</a:t>
+              <a:t>2024-03-28</a:t>
             </a:fld>
             <a:endParaRPr lang="ko-KR" altLang="en-US"/>
           </a:p>
@@ -5976,125 +5974,6 @@
 </file>
 
 <file path=ppt/slides/slide4.xml><?xml version="1.0" encoding="utf-8"?>
-<p:sld xmlns:a="http://schemas.openxmlformats.org/drawingml/2006/main" xmlns:r="http://schemas.openxmlformats.org/officeDocument/2006/relationships" xmlns:p="http://schemas.openxmlformats.org/presentationml/2006/main">
-  <p:cSld>
-    <p:spTree>
-      <p:nvGrpSpPr>
-        <p:cNvPr id="1" name=""/>
-        <p:cNvGrpSpPr/>
-        <p:nvPr/>
-      </p:nvGrpSpPr>
-      <p:grpSpPr>
-        <a:xfrm>
-          <a:off x="0" y="0"/>
-          <a:ext cx="0" cy="0"/>
-          <a:chOff x="0" y="0"/>
-          <a:chExt cx="0" cy="0"/>
-        </a:xfrm>
-      </p:grpSpPr>
-      <p:sp>
-        <p:nvSpPr>
-          <p:cNvPr id="2" name="제목 1">
-            <a:extLst>
-              <a:ext uri="{FF2B5EF4-FFF2-40B4-BE49-F238E27FC236}">
-                <a16:creationId xmlns:a16="http://schemas.microsoft.com/office/drawing/2014/main" id="{6A51B1E8-9B2F-4FA4-A40D-2E31D56E4B1A}"/>
-              </a:ext>
-            </a:extLst>
-          </p:cNvPr>
-          <p:cNvSpPr>
-            <a:spLocks noGrp="1"/>
-          </p:cNvSpPr>
-          <p:nvPr>
-            <p:ph type="title"/>
-          </p:nvPr>
-        </p:nvSpPr>
-        <p:spPr/>
-        <p:txBody>
-          <a:bodyPr/>
-          <a:lstStyle/>
-          <a:p>
-            <a:r>
-              <a:rPr lang="en-US" altLang="ko-KR" dirty="0" err="1"/>
-              <a:t>LAy</a:t>
-            </a:r>
-            <a:endParaRPr lang="ko-KR" altLang="en-US" dirty="0"/>
-          </a:p>
-        </p:txBody>
-      </p:sp>
-      <p:sp>
-        <p:nvSpPr>
-          <p:cNvPr id="3" name="슬라이드 번호 개체 틀 2">
-            <a:extLst>
-              <a:ext uri="{FF2B5EF4-FFF2-40B4-BE49-F238E27FC236}">
-                <a16:creationId xmlns:a16="http://schemas.microsoft.com/office/drawing/2014/main" id="{73888FD2-0EE6-4557-8864-9AB04AF12222}"/>
-              </a:ext>
-            </a:extLst>
-          </p:cNvPr>
-          <p:cNvSpPr>
-            <a:spLocks noGrp="1"/>
-          </p:cNvSpPr>
-          <p:nvPr>
-            <p:ph type="sldNum" sz="quarter" idx="4"/>
-          </p:nvPr>
-        </p:nvSpPr>
-        <p:spPr/>
-        <p:txBody>
-          <a:bodyPr/>
-          <a:lstStyle/>
-          <a:p>
-            <a:pPr>
-              <a:defRPr/>
-            </a:pPr>
-            <a:fld id="{B041EC1C-CD40-411B-B8A8-88A7A386D31F}" type="slidenum">
-              <a:rPr lang="ko-KR" altLang="en-US" smtClean="0"/>
-              <a:pPr>
-                <a:defRPr/>
-              </a:pPr>
-              <a:t>4</a:t>
-            </a:fld>
-            <a:endParaRPr lang="ko-KR" altLang="en-US"/>
-          </a:p>
-        </p:txBody>
-      </p:sp>
-      <p:sp>
-        <p:nvSpPr>
-          <p:cNvPr id="4" name="내용 개체 틀 3">
-            <a:extLst>
-              <a:ext uri="{FF2B5EF4-FFF2-40B4-BE49-F238E27FC236}">
-                <a16:creationId xmlns:a16="http://schemas.microsoft.com/office/drawing/2014/main" id="{BB918627-F3E5-4A2E-A673-529453878353}"/>
-              </a:ext>
-            </a:extLst>
-          </p:cNvPr>
-          <p:cNvSpPr>
-            <a:spLocks noGrp="1"/>
-          </p:cNvSpPr>
-          <p:nvPr>
-            <p:ph sz="quarter" idx="10"/>
-          </p:nvPr>
-        </p:nvSpPr>
-        <p:spPr/>
-        <p:txBody>
-          <a:bodyPr/>
-          <a:lstStyle/>
-          <a:p>
-            <a:endParaRPr lang="ko-KR" altLang="en-US"/>
-          </a:p>
-        </p:txBody>
-      </p:sp>
-    </p:spTree>
-    <p:extLst>
-      <p:ext uri="{BB962C8B-B14F-4D97-AF65-F5344CB8AC3E}">
-        <p14:creationId xmlns:p14="http://schemas.microsoft.com/office/powerpoint/2010/main" val="1541167238"/>
-      </p:ext>
-    </p:extLst>
-  </p:cSld>
-  <p:clrMapOvr>
-    <a:masterClrMapping/>
-  </p:clrMapOvr>
-</p:sld>
-</file>
-
-<file path=ppt/slides/slide5.xml><?xml version="1.0" encoding="utf-8"?>
 <p:sld xmlns:a="http://schemas.openxmlformats.org/drawingml/2006/main" xmlns:r="http://schemas.openxmlformats.org/officeDocument/2006/relationships" xmlns:p="http://schemas.openxmlformats.org/presentationml/2006/main">
   <p:cSld>
     <p:spTree>
